--- a/posters/poster 1.pptx
+++ b/posters/poster 1.pptx
@@ -252,7 +252,7 @@
           <a:p>
             <a:fld id="{250E3341-2102-4F17-AC1D-1CFBA686A38E}" type="datetimeFigureOut">
               <a:rPr lang="de-DE" smtClean="0"/>
-              <a:t>19.06.2023</a:t>
+              <a:t>22.06.2023</a:t>
             </a:fld>
             <a:endParaRPr lang="de-DE"/>
           </a:p>
@@ -422,7 +422,7 @@
           <a:p>
             <a:fld id="{250E3341-2102-4F17-AC1D-1CFBA686A38E}" type="datetimeFigureOut">
               <a:rPr lang="de-DE" smtClean="0"/>
-              <a:t>19.06.2023</a:t>
+              <a:t>22.06.2023</a:t>
             </a:fld>
             <a:endParaRPr lang="de-DE"/>
           </a:p>
@@ -602,7 +602,7 @@
           <a:p>
             <a:fld id="{250E3341-2102-4F17-AC1D-1CFBA686A38E}" type="datetimeFigureOut">
               <a:rPr lang="de-DE" smtClean="0"/>
-              <a:t>19.06.2023</a:t>
+              <a:t>22.06.2023</a:t>
             </a:fld>
             <a:endParaRPr lang="de-DE"/>
           </a:p>
@@ -772,7 +772,7 @@
           <a:p>
             <a:fld id="{250E3341-2102-4F17-AC1D-1CFBA686A38E}" type="datetimeFigureOut">
               <a:rPr lang="de-DE" smtClean="0"/>
-              <a:t>19.06.2023</a:t>
+              <a:t>22.06.2023</a:t>
             </a:fld>
             <a:endParaRPr lang="de-DE"/>
           </a:p>
@@ -1016,7 +1016,7 @@
           <a:p>
             <a:fld id="{250E3341-2102-4F17-AC1D-1CFBA686A38E}" type="datetimeFigureOut">
               <a:rPr lang="de-DE" smtClean="0"/>
-              <a:t>19.06.2023</a:t>
+              <a:t>22.06.2023</a:t>
             </a:fld>
             <a:endParaRPr lang="de-DE"/>
           </a:p>
@@ -1248,7 +1248,7 @@
           <a:p>
             <a:fld id="{250E3341-2102-4F17-AC1D-1CFBA686A38E}" type="datetimeFigureOut">
               <a:rPr lang="de-DE" smtClean="0"/>
-              <a:t>19.06.2023</a:t>
+              <a:t>22.06.2023</a:t>
             </a:fld>
             <a:endParaRPr lang="de-DE"/>
           </a:p>
@@ -1615,7 +1615,7 @@
           <a:p>
             <a:fld id="{250E3341-2102-4F17-AC1D-1CFBA686A38E}" type="datetimeFigureOut">
               <a:rPr lang="de-DE" smtClean="0"/>
-              <a:t>19.06.2023</a:t>
+              <a:t>22.06.2023</a:t>
             </a:fld>
             <a:endParaRPr lang="de-DE"/>
           </a:p>
@@ -1733,7 +1733,7 @@
           <a:p>
             <a:fld id="{250E3341-2102-4F17-AC1D-1CFBA686A38E}" type="datetimeFigureOut">
               <a:rPr lang="de-DE" smtClean="0"/>
-              <a:t>19.06.2023</a:t>
+              <a:t>22.06.2023</a:t>
             </a:fld>
             <a:endParaRPr lang="de-DE"/>
           </a:p>
@@ -1828,7 +1828,7 @@
           <a:p>
             <a:fld id="{250E3341-2102-4F17-AC1D-1CFBA686A38E}" type="datetimeFigureOut">
               <a:rPr lang="de-DE" smtClean="0"/>
-              <a:t>19.06.2023</a:t>
+              <a:t>22.06.2023</a:t>
             </a:fld>
             <a:endParaRPr lang="de-DE"/>
           </a:p>
@@ -2105,7 +2105,7 @@
           <a:p>
             <a:fld id="{250E3341-2102-4F17-AC1D-1CFBA686A38E}" type="datetimeFigureOut">
               <a:rPr lang="de-DE" smtClean="0"/>
-              <a:t>19.06.2023</a:t>
+              <a:t>22.06.2023</a:t>
             </a:fld>
             <a:endParaRPr lang="de-DE"/>
           </a:p>
@@ -2362,7 +2362,7 @@
           <a:p>
             <a:fld id="{250E3341-2102-4F17-AC1D-1CFBA686A38E}" type="datetimeFigureOut">
               <a:rPr lang="de-DE" smtClean="0"/>
-              <a:t>19.06.2023</a:t>
+              <a:t>22.06.2023</a:t>
             </a:fld>
             <a:endParaRPr lang="de-DE"/>
           </a:p>
@@ -2575,7 +2575,7 @@
           <a:p>
             <a:fld id="{250E3341-2102-4F17-AC1D-1CFBA686A38E}" type="datetimeFigureOut">
               <a:rPr lang="de-DE" smtClean="0"/>
-              <a:t>19.06.2023</a:t>
+              <a:t>22.06.2023</a:t>
             </a:fld>
             <a:endParaRPr lang="de-DE"/>
           </a:p>
@@ -3059,14 +3059,6 @@
               </a:rPr>
               <a:t>Farm Guard</a:t>
             </a:r>
-            <a:endParaRPr lang="de-DE" sz="2800" dirty="0" smtClean="0">
-              <a:solidFill>
-                <a:schemeClr val="tx2">
-                  <a:lumMod val="75000"/>
-                </a:schemeClr>
-              </a:solidFill>
-              <a:latin typeface="Trebuchet MS" panose="020B0603020202020204" pitchFamily="34" charset="0"/>
-            </a:endParaRPr>
           </a:p>
           <a:p>
             <a:pPr algn="ctr"/>
@@ -3086,157 +3078,6 @@
             <a:endParaRPr lang="de-DE" sz="895" dirty="0">
               <a:latin typeface="Trebuchet MS" panose="020B0603020202020204" pitchFamily="34" charset="0"/>
             </a:endParaRPr>
-          </a:p>
-        </p:txBody>
-      </p:sp>
-      <p:sp>
-        <p:nvSpPr>
-          <p:cNvPr id="6" name="Textfeld 5">
-            <a:extLst>
-              <a:ext uri="{FF2B5EF4-FFF2-40B4-BE49-F238E27FC236}">
-                <a16:creationId xmlns:a16="http://schemas.microsoft.com/office/drawing/2014/main" id="{067DFCFD-65B8-4EAE-B575-9A4C775CA8AF}"/>
-              </a:ext>
-            </a:extLst>
-          </p:cNvPr>
-          <p:cNvSpPr txBox="1"/>
-          <p:nvPr/>
-        </p:nvSpPr>
-        <p:spPr>
-          <a:xfrm>
-            <a:off x="658080" y="4514701"/>
-            <a:ext cx="8285040" cy="1185709"/>
-          </a:xfrm>
-          <a:prstGeom prst="rect">
-            <a:avLst/>
-          </a:prstGeom>
-          <a:solidFill>
-            <a:schemeClr val="tx2">
-              <a:lumMod val="20000"/>
-              <a:lumOff val="80000"/>
-            </a:schemeClr>
-          </a:solidFill>
-          <a:ln w="76200">
-            <a:solidFill>
-              <a:schemeClr val="accent1">
-                <a:lumMod val="75000"/>
-              </a:schemeClr>
-            </a:solidFill>
-          </a:ln>
-        </p:spPr>
-        <p:txBody>
-          <a:bodyPr wrap="square" rtlCol="0">
-            <a:spAutoFit/>
-          </a:bodyPr>
-          <a:lstStyle/>
-          <a:p>
-            <a:endParaRPr lang="de-DE" sz="1015" dirty="0">
-              <a:solidFill>
-                <a:srgbClr val="5B9BD5"/>
-              </a:solidFill>
-              <a:latin typeface="Trebuchet MS" panose="020B0603020202020204" pitchFamily="34" charset="0"/>
-            </a:endParaRPr>
-          </a:p>
-          <a:p>
-            <a:pPr marL="171450" indent="-171450">
-              <a:buFont typeface="Arial" panose="020B0604020202020204" pitchFamily="34" charset="0"/>
-              <a:buChar char="•"/>
-            </a:pPr>
-            <a:r>
-              <a:rPr lang="de-DE" sz="1015" dirty="0" smtClean="0">
-                <a:latin typeface="Trebuchet MS" panose="020B0603020202020204" pitchFamily="34" charset="0"/>
-              </a:rPr>
-              <a:t>Requirements</a:t>
-            </a:r>
-            <a:endParaRPr lang="de-DE" sz="1015" dirty="0" smtClean="0">
-              <a:latin typeface="Trebuchet MS" panose="020B0603020202020204" pitchFamily="34" charset="0"/>
-            </a:endParaRPr>
-          </a:p>
-          <a:p>
-            <a:pPr marL="171450" indent="-171450">
-              <a:buFont typeface="Arial" panose="020B0604020202020204" pitchFamily="34" charset="0"/>
-              <a:buChar char="•"/>
-            </a:pPr>
-            <a:r>
-              <a:rPr lang="de-DE" sz="1015" dirty="0" smtClean="0">
-                <a:latin typeface="Trebuchet MS" panose="020B0603020202020204" pitchFamily="34" charset="0"/>
-              </a:rPr>
-              <a:t>Application </a:t>
-            </a:r>
-            <a:r>
-              <a:rPr lang="de-DE" sz="1015" dirty="0">
-                <a:latin typeface="Trebuchet MS" panose="020B0603020202020204" pitchFamily="34" charset="0"/>
-              </a:rPr>
-              <a:t>S</a:t>
-            </a:r>
-            <a:r>
-              <a:rPr lang="de-DE" sz="1015" dirty="0" smtClean="0">
-                <a:latin typeface="Trebuchet MS" panose="020B0603020202020204" pitchFamily="34" charset="0"/>
-              </a:rPr>
-              <a:t>cenario</a:t>
-            </a:r>
-          </a:p>
-          <a:p>
-            <a:pPr marL="171450" indent="-171450">
-              <a:buFont typeface="Arial" panose="020B0604020202020204" pitchFamily="34" charset="0"/>
-              <a:buChar char="•"/>
-            </a:pPr>
-            <a:r>
-              <a:rPr lang="de-DE" sz="1015" dirty="0" smtClean="0">
-                <a:latin typeface="Trebuchet MS" panose="020B0603020202020204" pitchFamily="34" charset="0"/>
-              </a:rPr>
-              <a:t>Environmental Model</a:t>
-            </a:r>
-            <a:endParaRPr lang="de-DE" sz="1015" dirty="0" smtClean="0">
-              <a:latin typeface="Trebuchet MS" panose="020B0603020202020204" pitchFamily="34" charset="0"/>
-            </a:endParaRPr>
-          </a:p>
-          <a:p>
-            <a:pPr marL="171450" indent="-171450">
-              <a:buFont typeface="Arial" panose="020B0604020202020204" pitchFamily="34" charset="0"/>
-              <a:buChar char="•"/>
-            </a:pPr>
-            <a:r>
-              <a:rPr lang="de-DE" sz="1015" dirty="0" smtClean="0">
-                <a:latin typeface="Trebuchet MS" panose="020B0603020202020204" pitchFamily="34" charset="0"/>
-              </a:rPr>
-              <a:t>System of </a:t>
-            </a:r>
-            <a:r>
-              <a:rPr lang="de-DE" sz="1015" dirty="0">
-                <a:latin typeface="Trebuchet MS" panose="020B0603020202020204" pitchFamily="34" charset="0"/>
-              </a:rPr>
-              <a:t>O</a:t>
-            </a:r>
-            <a:r>
-              <a:rPr lang="de-DE" sz="1015" dirty="0" smtClean="0">
-                <a:latin typeface="Trebuchet MS" panose="020B0603020202020204" pitchFamily="34" charset="0"/>
-              </a:rPr>
-              <a:t>bjectives</a:t>
-            </a:r>
-          </a:p>
-          <a:p>
-            <a:pPr marL="171450" indent="-171450">
-              <a:buFont typeface="Arial" panose="020B0604020202020204" pitchFamily="34" charset="0"/>
-              <a:buChar char="•"/>
-            </a:pPr>
-            <a:r>
-              <a:rPr lang="de-DE" sz="1015" dirty="0" smtClean="0">
-                <a:latin typeface="Trebuchet MS" panose="020B0603020202020204" pitchFamily="34" charset="0"/>
-              </a:rPr>
-              <a:t>Behavior Model</a:t>
-            </a:r>
-          </a:p>
-          <a:p>
-            <a:pPr marL="171450" indent="-171450">
-              <a:buFont typeface="Arial" panose="020B0604020202020204" pitchFamily="34" charset="0"/>
-              <a:buChar char="•"/>
-            </a:pPr>
-            <a:r>
-              <a:rPr lang="de-DE" sz="1015" dirty="0" smtClean="0">
-                <a:latin typeface="Trebuchet MS" panose="020B0603020202020204" pitchFamily="34" charset="0"/>
-              </a:rPr>
-              <a:t>Functions</a:t>
-            </a:r>
           </a:p>
         </p:txBody>
       </p:sp>
@@ -3299,15 +3140,27 @@
             </a:r>
             <a:r>
               <a:rPr lang="en-US" sz="1200" dirty="0" smtClean="0"/>
-              <a:t> agriculture AV for Detection and removal of the weeds </a:t>
+              <a:t> agriculture AV for Detection and removal of the </a:t>
+            </a:r>
+            <a:r>
+              <a:rPr lang="en-US" sz="1200" b="1" dirty="0" smtClean="0"/>
+              <a:t>weeds</a:t>
+            </a:r>
+            <a:r>
+              <a:rPr lang="en-US" sz="1200" dirty="0" smtClean="0"/>
+              <a:t> </a:t>
             </a:r>
             <a:r>
               <a:rPr lang="en-US" sz="1200" dirty="0"/>
               <a:t>and </a:t>
             </a:r>
             <a:r>
+              <a:rPr lang="en-US" sz="1200" b="1" dirty="0" smtClean="0"/>
+              <a:t>pesticides</a:t>
+            </a:r>
+            <a:r>
               <a:rPr lang="en-US" sz="1200" dirty="0" smtClean="0"/>
-              <a:t>pesticides spray on unhealthy plants</a:t>
+              <a:t> spray on unhealthy plants</a:t>
             </a:r>
           </a:p>
           <a:p>
@@ -3320,12 +3173,12 @@
               <a:t>Equipped with a </a:t>
             </a:r>
             <a:r>
+              <a:rPr lang="en-US" sz="1200" b="1" dirty="0" smtClean="0"/>
+              <a:t>camera</a:t>
+            </a:r>
+            <a:r>
               <a:rPr lang="en-US" sz="1200" dirty="0" smtClean="0"/>
-              <a:t>camera </a:t>
-            </a:r>
-            <a:r>
-              <a:rPr lang="en-US" sz="1200" dirty="0" smtClean="0"/>
-              <a:t>to capture the field</a:t>
+              <a:t> to capture the field</a:t>
             </a:r>
           </a:p>
           <a:p>
@@ -3334,12 +3187,24 @@
               <a:buChar char="•"/>
             </a:pPr>
             <a:r>
+              <a:rPr lang="en-US" sz="1200" b="1" dirty="0" smtClean="0"/>
+              <a:t>Battery</a:t>
+            </a:r>
+            <a:r>
               <a:rPr lang="en-US" sz="1200" dirty="0" smtClean="0"/>
-              <a:t>Battery </a:t>
+              <a:t> </a:t>
             </a:r>
             <a:r>
               <a:rPr lang="en-US" sz="1200" dirty="0"/>
-              <a:t>and solar panel on </a:t>
+              <a:t>and </a:t>
+            </a:r>
+            <a:r>
+              <a:rPr lang="en-US" sz="1200" b="1" dirty="0"/>
+              <a:t>solar panel </a:t>
+            </a:r>
+            <a:r>
+              <a:rPr lang="en-US" sz="1200" dirty="0"/>
+              <a:t>on </a:t>
             </a:r>
             <a:r>
               <a:rPr lang="en-US" sz="1200" dirty="0" smtClean="0"/>
@@ -3361,7 +3226,15 @@
             </a:r>
             <a:r>
               <a:rPr lang="en-US" sz="1200" dirty="0"/>
-              <a:t>system pesticides tank, and a heater to kill weeds</a:t>
+              <a:t>system pesticides </a:t>
+            </a:r>
+            <a:r>
+              <a:rPr lang="en-US" sz="1200" dirty="0" smtClean="0"/>
+              <a:t>tank, </a:t>
+            </a:r>
+            <a:r>
+              <a:rPr lang="en-US" sz="1200" dirty="0"/>
+              <a:t>and a heater to kill weeds</a:t>
             </a:r>
           </a:p>
           <a:p>
@@ -3387,7 +3260,15 @@
             </a:r>
             <a:r>
               <a:rPr lang="en-US" sz="1200" dirty="0"/>
-              <a:t>high legs to go above the plants in a </a:t>
+              <a:t>high legs to </a:t>
+            </a:r>
+            <a:r>
+              <a:rPr lang="en-US" sz="1200" dirty="0" smtClean="0"/>
+              <a:t>go above </a:t>
+            </a:r>
+            <a:r>
+              <a:rPr lang="en-US" sz="1200" dirty="0"/>
+              <a:t>the plants in a </a:t>
             </a:r>
             <a:r>
               <a:rPr lang="en-US" sz="1200" dirty="0" smtClean="0"/>
@@ -3448,56 +3329,6 @@
               <a:t>stem Design</a:t>
             </a:r>
             <a:endParaRPr lang="de-DE" sz="895" dirty="0">
-              <a:latin typeface="Trebuchet MS" panose="020B0603020202020204" pitchFamily="34" charset="0"/>
-            </a:endParaRPr>
-          </a:p>
-        </p:txBody>
-      </p:sp>
-      <p:sp>
-        <p:nvSpPr>
-          <p:cNvPr id="18" name="Rechteck 17">
-            <a:extLst>
-              <a:ext uri="{FF2B5EF4-FFF2-40B4-BE49-F238E27FC236}">
-                <a16:creationId xmlns:a16="http://schemas.microsoft.com/office/drawing/2014/main" id="{241B3931-4D71-4036-A35F-6306AF2FDD78}"/>
-              </a:ext>
-            </a:extLst>
-          </p:cNvPr>
-          <p:cNvSpPr/>
-          <p:nvPr/>
-        </p:nvSpPr>
-        <p:spPr>
-          <a:xfrm>
-            <a:off x="764717" y="4249299"/>
-            <a:ext cx="2313390" cy="417678"/>
-          </a:xfrm>
-          <a:prstGeom prst="rect">
-            <a:avLst/>
-          </a:prstGeom>
-          <a:solidFill>
-            <a:schemeClr val="accent1">
-              <a:lumMod val="75000"/>
-            </a:schemeClr>
-          </a:solidFill>
-        </p:spPr>
-        <p:txBody>
-          <a:bodyPr wrap="none">
-            <a:spAutoFit/>
-          </a:bodyPr>
-          <a:lstStyle/>
-          <a:p>
-            <a:r>
-              <a:rPr lang="de-DE" sz="2114" dirty="0" smtClean="0">
-                <a:solidFill>
-                  <a:schemeClr val="bg1"/>
-                </a:solidFill>
-                <a:latin typeface="Trebuchet MS" panose="020B0603020202020204" pitchFamily="34" charset="0"/>
-              </a:rPr>
-              <a:t>Technical Matters</a:t>
-            </a:r>
-            <a:endParaRPr lang="de-DE" sz="2114" dirty="0">
-              <a:solidFill>
-                <a:schemeClr val="bg1"/>
-              </a:solidFill>
               <a:latin typeface="Trebuchet MS" panose="020B0603020202020204" pitchFamily="34" charset="0"/>
             </a:endParaRPr>
           </a:p>
@@ -3832,13 +3663,13 @@
       </p:pic>
       <p:pic>
         <p:nvPicPr>
-          <p:cNvPr id="14" name="Picture 13"/>
+          <p:cNvPr id="20" name="Picture 19"/>
           <p:cNvPicPr>
             <a:picLocks noChangeAspect="1"/>
           </p:cNvPicPr>
           <p:nvPr/>
         </p:nvPicPr>
-        <p:blipFill>
+        <p:blipFill rotWithShape="1">
           <a:blip r:embed="rId6">
             <a:extLst>
               <a:ext uri="{28A0092B-C50C-407E-A947-70E740481C1C}">
@@ -3846,110 +3677,324 @@
               </a:ext>
             </a:extLst>
           </a:blip>
-          <a:stretch>
-            <a:fillRect/>
-          </a:stretch>
+          <a:srcRect t="-6904" r="-2440" b="-4016"/>
+          <a:stretch/>
         </p:blipFill>
         <p:spPr>
           <a:xfrm>
-            <a:off x="653717" y="5889858"/>
-            <a:ext cx="3509483" cy="2351157"/>
+            <a:off x="4332345" y="8753072"/>
+            <a:ext cx="5228215" cy="3215408"/>
           </a:xfrm>
           <a:prstGeom prst="rect">
             <a:avLst/>
           </a:prstGeom>
+          <a:ln w="38100">
+            <a:solidFill>
+              <a:srgbClr val="1BA0E0"/>
+            </a:solidFill>
+          </a:ln>
         </p:spPr>
       </p:pic>
       <p:pic>
         <p:nvPicPr>
-          <p:cNvPr id="15" name="Picture 14"/>
+          <p:cNvPr id="4" name="Picture 3"/>
           <p:cNvPicPr>
             <a:picLocks noChangeAspect="1"/>
           </p:cNvPicPr>
           <p:nvPr/>
         </p:nvPicPr>
-        <p:blipFill>
-          <a:blip r:embed="rId7" cstate="hqprint">
+        <p:blipFill rotWithShape="1">
+          <a:blip r:embed="rId7">
             <a:extLst>
               <a:ext uri="{28A0092B-C50C-407E-A947-70E740481C1C}">
                 <a14:useLocalDpi xmlns:a14="http://schemas.microsoft.com/office/drawing/2010/main" val="0"/>
               </a:ext>
             </a:extLst>
           </a:blip>
-          <a:stretch>
-            <a:fillRect/>
-          </a:stretch>
+          <a:srcRect l="-158" t="-5141" r="-345" b="-4413"/>
+          <a:stretch/>
         </p:blipFill>
         <p:spPr>
           <a:xfrm>
-            <a:off x="4860341" y="5816973"/>
-            <a:ext cx="4632150" cy="2543991"/>
+            <a:off x="103386" y="7660640"/>
+            <a:ext cx="4185920" cy="3190240"/>
           </a:xfrm>
           <a:prstGeom prst="rect">
             <a:avLst/>
           </a:prstGeom>
+          <a:ln w="38100">
+            <a:solidFill>
+              <a:srgbClr val="1BA0E0"/>
+            </a:solidFill>
+          </a:ln>
         </p:spPr>
       </p:pic>
-      <p:pic>
-        <p:nvPicPr>
-          <p:cNvPr id="16" name="Picture 15"/>
-          <p:cNvPicPr>
-            <a:picLocks noChangeAspect="1"/>
-          </p:cNvPicPr>
+      <p:grpSp>
+        <p:nvGrpSpPr>
+          <p:cNvPr id="11" name="Group 10"/>
+          <p:cNvGrpSpPr/>
           <p:nvPr/>
-        </p:nvPicPr>
-        <p:blipFill>
-          <a:blip r:embed="rId8">
+        </p:nvGrpSpPr>
+        <p:grpSpPr>
+          <a:xfrm>
+            <a:off x="83067" y="3911953"/>
+            <a:ext cx="4206239" cy="3125128"/>
+            <a:chOff x="263433" y="4063360"/>
+            <a:chExt cx="4206239" cy="3125128"/>
+          </a:xfrm>
+        </p:grpSpPr>
+        <p:pic>
+          <p:nvPicPr>
+            <p:cNvPr id="14" name="Picture 13"/>
+            <p:cNvPicPr>
+              <a:picLocks noChangeAspect="1"/>
+            </p:cNvPicPr>
+            <p:nvPr/>
+          </p:nvPicPr>
+          <p:blipFill rotWithShape="1">
+            <a:blip r:embed="rId8">
+              <a:extLst>
+                <a:ext uri="{28A0092B-C50C-407E-A947-70E740481C1C}">
+                  <a14:useLocalDpi xmlns:a14="http://schemas.microsoft.com/office/drawing/2010/main" val="0"/>
+                </a:ext>
+              </a:extLst>
+            </a:blip>
+            <a:srcRect l="-5561" t="-6447" r="-4398" b="-8327"/>
+            <a:stretch/>
+          </p:blipFill>
+          <p:spPr>
+            <a:xfrm>
+              <a:off x="263433" y="4247169"/>
+              <a:ext cx="4206239" cy="2941319"/>
+            </a:xfrm>
+            <a:prstGeom prst="rect">
+              <a:avLst/>
+            </a:prstGeom>
+            <a:ln w="38100">
+              <a:solidFill>
+                <a:srgbClr val="1BA0E0"/>
+              </a:solidFill>
+            </a:ln>
+          </p:spPr>
+        </p:pic>
+        <p:sp>
+          <p:nvSpPr>
+            <p:cNvPr id="21" name="Rechteck 16">
+              <a:extLst>
+                <a:ext uri="{FF2B5EF4-FFF2-40B4-BE49-F238E27FC236}">
+                  <a16:creationId xmlns:a16="http://schemas.microsoft.com/office/drawing/2014/main" id="{5E198EBE-201E-4AEA-A374-D3856FFE284A}"/>
+                </a:ext>
+              </a:extLst>
+            </p:cNvPr>
+            <p:cNvSpPr/>
+            <p:nvPr/>
+          </p:nvSpPr>
+          <p:spPr>
+            <a:xfrm>
+              <a:off x="327415" y="4063360"/>
+              <a:ext cx="1728016" cy="276999"/>
+            </a:xfrm>
+            <a:prstGeom prst="rect">
+              <a:avLst/>
+            </a:prstGeom>
+            <a:solidFill>
+              <a:srgbClr val="1BA0E0"/>
+            </a:solidFill>
+          </p:spPr>
+          <p:txBody>
+            <a:bodyPr wrap="square">
+              <a:spAutoFit/>
+            </a:bodyPr>
+            <a:lstStyle/>
+            <a:p>
+              <a:r>
+                <a:rPr lang="en-US" sz="1200" dirty="0" smtClean="0">
+                  <a:latin typeface="Trebuchet MS" panose="020B0603020202020204" pitchFamily="34" charset="0"/>
+                </a:rPr>
+                <a:t>System of Objectives</a:t>
+              </a:r>
+              <a:endParaRPr lang="de-DE" sz="400" dirty="0">
+                <a:latin typeface="Trebuchet MS" panose="020B0603020202020204" pitchFamily="34" charset="0"/>
+              </a:endParaRPr>
+            </a:p>
+          </p:txBody>
+        </p:sp>
+      </p:grpSp>
+      <p:grpSp>
+        <p:nvGrpSpPr>
+          <p:cNvPr id="12" name="Group 11"/>
+          <p:cNvGrpSpPr/>
+          <p:nvPr/>
+        </p:nvGrpSpPr>
+        <p:grpSpPr>
+          <a:xfrm>
+            <a:off x="4332345" y="4473523"/>
+            <a:ext cx="5204460" cy="3306082"/>
+            <a:chOff x="4354723" y="5302099"/>
+            <a:chExt cx="5204460" cy="3306082"/>
+          </a:xfrm>
+        </p:grpSpPr>
+        <p:pic>
+          <p:nvPicPr>
+            <p:cNvPr id="15" name="Picture 14"/>
+            <p:cNvPicPr>
+              <a:picLocks noChangeAspect="1"/>
+            </p:cNvPicPr>
+            <p:nvPr/>
+          </p:nvPicPr>
+          <p:blipFill rotWithShape="1">
+            <a:blip r:embed="rId9" cstate="hqprint">
+              <a:extLst>
+                <a:ext uri="{28A0092B-C50C-407E-A947-70E740481C1C}">
+                  <a14:useLocalDpi xmlns:a14="http://schemas.microsoft.com/office/drawing/2010/main" val="0"/>
+                </a:ext>
+              </a:extLst>
+            </a:blip>
+            <a:srcRect l="-921" t="-5855" r="-1054" b="-5605"/>
+            <a:stretch/>
+          </p:blipFill>
+          <p:spPr>
+            <a:xfrm>
+              <a:off x="4354723" y="5483981"/>
+              <a:ext cx="5204460" cy="3124200"/>
+            </a:xfrm>
+            <a:prstGeom prst="rect">
+              <a:avLst/>
+            </a:prstGeom>
+            <a:ln w="38100">
+              <a:solidFill>
+                <a:srgbClr val="1BA0E0"/>
+              </a:solidFill>
+            </a:ln>
+          </p:spPr>
+        </p:pic>
+        <p:sp>
+          <p:nvSpPr>
+            <p:cNvPr id="22" name="Rechteck 16">
+              <a:extLst>
+                <a:ext uri="{FF2B5EF4-FFF2-40B4-BE49-F238E27FC236}">
+                  <a16:creationId xmlns:a16="http://schemas.microsoft.com/office/drawing/2014/main" id="{5E198EBE-201E-4AEA-A374-D3856FFE284A}"/>
+                </a:ext>
+              </a:extLst>
+            </p:cNvPr>
+            <p:cNvSpPr/>
+            <p:nvPr/>
+          </p:nvSpPr>
+          <p:spPr>
+            <a:xfrm>
+              <a:off x="4536169" y="5302099"/>
+              <a:ext cx="1728016" cy="276999"/>
+            </a:xfrm>
+            <a:prstGeom prst="rect">
+              <a:avLst/>
+            </a:prstGeom>
+            <a:solidFill>
+              <a:srgbClr val="1BA0E0"/>
+            </a:solidFill>
+          </p:spPr>
+          <p:txBody>
+            <a:bodyPr wrap="square">
+              <a:spAutoFit/>
+            </a:bodyPr>
+            <a:lstStyle/>
+            <a:p>
+              <a:r>
+                <a:rPr lang="en-US" sz="1200" dirty="0" smtClean="0">
+                  <a:latin typeface="Trebuchet MS" panose="020B0603020202020204" pitchFamily="34" charset="0"/>
+                </a:rPr>
+                <a:t>Environmental Model</a:t>
+              </a:r>
+              <a:endParaRPr lang="de-DE" sz="400" dirty="0">
+                <a:latin typeface="Trebuchet MS" panose="020B0603020202020204" pitchFamily="34" charset="0"/>
+              </a:endParaRPr>
+            </a:p>
+          </p:txBody>
+        </p:sp>
+      </p:grpSp>
+      <p:sp>
+        <p:nvSpPr>
+          <p:cNvPr id="24" name="Rechteck 16">
             <a:extLst>
-              <a:ext uri="{28A0092B-C50C-407E-A947-70E740481C1C}">
-                <a14:useLocalDpi xmlns:a14="http://schemas.microsoft.com/office/drawing/2010/main" val="0"/>
+              <a:ext uri="{FF2B5EF4-FFF2-40B4-BE49-F238E27FC236}">
+                <a16:creationId xmlns:a16="http://schemas.microsoft.com/office/drawing/2014/main" id="{5E198EBE-201E-4AEA-A374-D3856FFE284A}"/>
               </a:ext>
             </a:extLst>
-          </a:blip>
-          <a:stretch>
-            <a:fillRect/>
-          </a:stretch>
-        </p:blipFill>
+          </p:cNvPr>
+          <p:cNvSpPr/>
+          <p:nvPr/>
+        </p:nvSpPr>
         <p:spPr>
           <a:xfrm>
-            <a:off x="136633" y="8789298"/>
-            <a:ext cx="3633809" cy="2540605"/>
+            <a:off x="323062" y="7504731"/>
+            <a:ext cx="1728016" cy="276999"/>
           </a:xfrm>
           <a:prstGeom prst="rect">
             <a:avLst/>
           </a:prstGeom>
+          <a:solidFill>
+            <a:srgbClr val="1BA0E0"/>
+          </a:solidFill>
         </p:spPr>
-      </p:pic>
-      <p:pic>
-        <p:nvPicPr>
-          <p:cNvPr id="20" name="Picture 19"/>
-          <p:cNvPicPr>
-            <a:picLocks noChangeAspect="1"/>
-          </p:cNvPicPr>
-          <p:nvPr/>
-        </p:nvPicPr>
-        <p:blipFill>
-          <a:blip r:embed="rId9">
+        <p:txBody>
+          <a:bodyPr wrap="square">
+            <a:spAutoFit/>
+          </a:bodyPr>
+          <a:lstStyle/>
+          <a:p>
+            <a:r>
+              <a:rPr lang="en-US" sz="1200" dirty="0" smtClean="0">
+                <a:latin typeface="Trebuchet MS" panose="020B0603020202020204" pitchFamily="34" charset="0"/>
+              </a:rPr>
+              <a:t>Functions Model</a:t>
+            </a:r>
+            <a:endParaRPr lang="de-DE" sz="400" dirty="0">
+              <a:latin typeface="Trebuchet MS" panose="020B0603020202020204" pitchFamily="34" charset="0"/>
+            </a:endParaRPr>
+          </a:p>
+        </p:txBody>
+      </p:sp>
+      <p:sp>
+        <p:nvSpPr>
+          <p:cNvPr id="25" name="Rechteck 16">
             <a:extLst>
-              <a:ext uri="{28A0092B-C50C-407E-A947-70E740481C1C}">
-                <a14:useLocalDpi xmlns:a14="http://schemas.microsoft.com/office/drawing/2010/main" val="0"/>
+              <a:ext uri="{FF2B5EF4-FFF2-40B4-BE49-F238E27FC236}">
+                <a16:creationId xmlns:a16="http://schemas.microsoft.com/office/drawing/2014/main" id="{5E198EBE-201E-4AEA-A374-D3856FFE284A}"/>
               </a:ext>
             </a:extLst>
-          </a:blip>
-          <a:stretch>
-            <a:fillRect/>
-          </a:stretch>
-        </p:blipFill>
+          </p:cNvPr>
+          <p:cNvSpPr/>
+          <p:nvPr/>
+        </p:nvSpPr>
         <p:spPr>
           <a:xfrm>
-            <a:off x="4162812" y="8849547"/>
-            <a:ext cx="5042730" cy="2864222"/>
+            <a:off x="4547838" y="8567600"/>
+            <a:ext cx="1728016" cy="276999"/>
           </a:xfrm>
           <a:prstGeom prst="rect">
             <a:avLst/>
           </a:prstGeom>
+          <a:solidFill>
+            <a:srgbClr val="1BA0E0"/>
+          </a:solidFill>
         </p:spPr>
-      </p:pic>
+        <p:txBody>
+          <a:bodyPr wrap="square">
+            <a:spAutoFit/>
+          </a:bodyPr>
+          <a:lstStyle/>
+          <a:p>
+            <a:r>
+              <a:rPr lang="en-US" sz="1200" dirty="0" smtClean="0">
+                <a:latin typeface="Trebuchet MS" panose="020B0603020202020204" pitchFamily="34" charset="0"/>
+              </a:rPr>
+              <a:t>Behavior Model</a:t>
+            </a:r>
+            <a:endParaRPr lang="de-DE" sz="400" dirty="0">
+              <a:latin typeface="Trebuchet MS" panose="020B0603020202020204" pitchFamily="34" charset="0"/>
+            </a:endParaRPr>
+          </a:p>
+        </p:txBody>
+      </p:sp>
     </p:spTree>
     <p:extLst>
       <p:ext uri="{BB962C8B-B14F-4D97-AF65-F5344CB8AC3E}">
@@ -4225,6 +4270,15 @@
 </file>
 
 <file path=customXml/item1.xml><?xml version="1.0" encoding="utf-8"?>
+<?mso-contentType ?>
+<FormTemplates xmlns="http://schemas.microsoft.com/sharepoint/v3/contenttype/forms">
+  <Display>DocumentLibraryForm</Display>
+  <Edit>DocumentLibraryForm</Edit>
+  <New>DocumentLibraryForm</New>
+</FormTemplates>
+</file>
+
+<file path=customXml/item2.xml><?xml version="1.0" encoding="utf-8"?>
 <ct:contentTypeSchema xmlns:ct="http://schemas.microsoft.com/office/2006/metadata/contentType" xmlns:ma="http://schemas.microsoft.com/office/2006/metadata/properties/metaAttributes" ct:_="" ma:_="" ma:contentTypeName="Dokument" ma:contentTypeID="0x010100EECA7BEBD55E2C45B9C7C3325B6F2577" ma:contentTypeVersion="16" ma:contentTypeDescription="Ein neues Dokument erstellen." ma:contentTypeScope="" ma:versionID="a571b335ca8c1ac69ca59f435f3de99b">
   <xsd:schema xmlns:xsd="http://www.w3.org/2001/XMLSchema" xmlns:xs="http://www.w3.org/2001/XMLSchema" xmlns:p="http://schemas.microsoft.com/office/2006/metadata/properties" xmlns:ns2="03c0e7e8-f53a-4518-96fe-29d669d9c5f6" xmlns:ns3="eae1e900-ed6f-4dbb-abac-63a1b6b549f8" targetNamespace="http://schemas.microsoft.com/office/2006/metadata/properties" ma:root="true" ma:fieldsID="e5911f12bf4686c0e401b0ada29186a7" ns2:_="" ns3:_="">
     <xsd:import namespace="03c0e7e8-f53a-4518-96fe-29d669d9c5f6"/>
@@ -4467,16 +4521,15 @@
 </ct:contentTypeSchema>
 </file>
 
-<file path=customXml/item2.xml><?xml version="1.0" encoding="utf-8"?>
-<?mso-contentType ?>
-<FormTemplates xmlns="http://schemas.microsoft.com/sharepoint/v3/contenttype/forms">
-  <Display>DocumentLibraryForm</Display>
-  <Edit>DocumentLibraryForm</Edit>
-  <New>DocumentLibraryForm</New>
-</FormTemplates>
+<file path=customXml/itemProps1.xml><?xml version="1.0" encoding="utf-8"?>
+<ds:datastoreItem xmlns:ds="http://schemas.openxmlformats.org/officeDocument/2006/customXml" ds:itemID="{392E925E-59B8-4E89-81B0-7E4576C257C9}">
+  <ds:schemaRefs>
+    <ds:schemaRef ds:uri="http://schemas.microsoft.com/sharepoint/v3/contenttype/forms"/>
+  </ds:schemaRefs>
+</ds:datastoreItem>
 </file>
 
-<file path=customXml/itemProps1.xml><?xml version="1.0" encoding="utf-8"?>
+<file path=customXml/itemProps2.xml><?xml version="1.0" encoding="utf-8"?>
 <ds:datastoreItem xmlns:ds="http://schemas.openxmlformats.org/officeDocument/2006/customXml" ds:itemID="{CD9B4D97-B4E2-4584-8EF7-8F7BC913962D}">
   <ds:schemaRefs>
     <ds:schemaRef ds:uri="http://schemas.microsoft.com/office/2006/metadata/contentType"/>
@@ -4493,12 +4546,4 @@
     <ds:schemaRef ds:uri="http://schemas.microsoft.com/internal/obd"/>
   </ds:schemaRefs>
 </ds:datastoreItem>
-</file>
-
-<file path=customXml/itemProps2.xml><?xml version="1.0" encoding="utf-8"?>
-<ds:datastoreItem xmlns:ds="http://schemas.openxmlformats.org/officeDocument/2006/customXml" ds:itemID="{392E925E-59B8-4E89-81B0-7E4576C257C9}">
-  <ds:schemaRefs>
-    <ds:schemaRef ds:uri="http://schemas.microsoft.com/sharepoint/v3/contenttype/forms"/>
-  </ds:schemaRefs>
-</ds:datastoreItem>
 </file>